--- a/UWPLab/Develop Windows UWP Apps on Windows 10 - 2.pptx
+++ b/UWPLab/Develop Windows UWP Apps on Windows 10 - 2.pptx
@@ -8775,7 +8775,7 @@
           <a:p>
             <a:fld id="{615B8220-D6CE-4EBA-9DF4-44184996CC87}" type="datetimeFigureOut">
               <a:rPr lang="en-IN" smtClean="0"/>
-              <a:t>30-10-2015</a:t>
+              <a:t>04-11-2015</a:t>
             </a:fld>
             <a:endParaRPr lang="en-IN"/>
           </a:p>
@@ -9028,7 +9028,7 @@
           <a:p>
             <a:fld id="{615B8220-D6CE-4EBA-9DF4-44184996CC87}" type="datetimeFigureOut">
               <a:rPr lang="en-IN" smtClean="0"/>
-              <a:t>30-10-2015</a:t>
+              <a:t>04-11-2015</a:t>
             </a:fld>
             <a:endParaRPr lang="en-IN"/>
           </a:p>
@@ -9198,7 +9198,7 @@
           <a:p>
             <a:fld id="{615B8220-D6CE-4EBA-9DF4-44184996CC87}" type="datetimeFigureOut">
               <a:rPr lang="en-IN" smtClean="0"/>
-              <a:t>30-10-2015</a:t>
+              <a:t>04-11-2015</a:t>
             </a:fld>
             <a:endParaRPr lang="en-IN"/>
           </a:p>
@@ -9378,7 +9378,7 @@
           <a:p>
             <a:fld id="{615B8220-D6CE-4EBA-9DF4-44184996CC87}" type="datetimeFigureOut">
               <a:rPr lang="en-IN" smtClean="0"/>
-              <a:t>30-10-2015</a:t>
+              <a:t>04-11-2015</a:t>
             </a:fld>
             <a:endParaRPr lang="en-IN"/>
           </a:p>
@@ -9600,7 +9600,7 @@
           <a:p>
             <a:fld id="{615B8220-D6CE-4EBA-9DF4-44184996CC87}" type="datetimeFigureOut">
               <a:rPr lang="en-IN" smtClean="0"/>
-              <a:t>30-10-2015</a:t>
+              <a:t>04-11-2015</a:t>
             </a:fld>
             <a:endParaRPr lang="en-IN"/>
           </a:p>
@@ -9800,7 +9800,7 @@
           <a:p>
             <a:fld id="{615B8220-D6CE-4EBA-9DF4-44184996CC87}" type="datetimeFigureOut">
               <a:rPr lang="en-IN" smtClean="0"/>
-              <a:t>30-10-2015</a:t>
+              <a:t>04-11-2015</a:t>
             </a:fld>
             <a:endParaRPr lang="en-IN"/>
           </a:p>
@@ -10060,7 +10060,7 @@
           <a:p>
             <a:fld id="{615B8220-D6CE-4EBA-9DF4-44184996CC87}" type="datetimeFigureOut">
               <a:rPr lang="en-IN" smtClean="0"/>
-              <a:t>30-10-2015</a:t>
+              <a:t>04-11-2015</a:t>
             </a:fld>
             <a:endParaRPr lang="en-IN"/>
           </a:p>
@@ -10336,7 +10336,7 @@
           <a:p>
             <a:fld id="{615B8220-D6CE-4EBA-9DF4-44184996CC87}" type="datetimeFigureOut">
               <a:rPr lang="en-IN" smtClean="0"/>
-              <a:t>30-10-2015</a:t>
+              <a:t>04-11-2015</a:t>
             </a:fld>
             <a:endParaRPr lang="en-IN"/>
           </a:p>
@@ -10568,7 +10568,7 @@
           <a:p>
             <a:fld id="{615B8220-D6CE-4EBA-9DF4-44184996CC87}" type="datetimeFigureOut">
               <a:rPr lang="en-IN" smtClean="0"/>
-              <a:t>30-10-2015</a:t>
+              <a:t>04-11-2015</a:t>
             </a:fld>
             <a:endParaRPr lang="en-IN"/>
           </a:p>
@@ -10935,7 +10935,7 @@
           <a:p>
             <a:fld id="{615B8220-D6CE-4EBA-9DF4-44184996CC87}" type="datetimeFigureOut">
               <a:rPr lang="en-IN" smtClean="0"/>
-              <a:t>30-10-2015</a:t>
+              <a:t>04-11-2015</a:t>
             </a:fld>
             <a:endParaRPr lang="en-IN"/>
           </a:p>
@@ -11053,7 +11053,7 @@
           <a:p>
             <a:fld id="{615B8220-D6CE-4EBA-9DF4-44184996CC87}" type="datetimeFigureOut">
               <a:rPr lang="en-IN" smtClean="0"/>
-              <a:t>30-10-2015</a:t>
+              <a:t>04-11-2015</a:t>
             </a:fld>
             <a:endParaRPr lang="en-IN"/>
           </a:p>
@@ -11148,7 +11148,7 @@
           <a:p>
             <a:fld id="{615B8220-D6CE-4EBA-9DF4-44184996CC87}" type="datetimeFigureOut">
               <a:rPr lang="en-IN" smtClean="0"/>
-              <a:t>30-10-2015</a:t>
+              <a:t>04-11-2015</a:t>
             </a:fld>
             <a:endParaRPr lang="en-IN"/>
           </a:p>
@@ -11785,7 +11785,7 @@
           <a:p>
             <a:fld id="{615B8220-D6CE-4EBA-9DF4-44184996CC87}" type="datetimeFigureOut">
               <a:rPr lang="en-IN" smtClean="0"/>
-              <a:t>30-10-2015</a:t>
+              <a:t>04-11-2015</a:t>
             </a:fld>
             <a:endParaRPr lang="en-IN"/>
           </a:p>
@@ -14155,7 +14155,7 @@
           <a:graphicData uri="http://schemas.openxmlformats.org/presentationml/2006/ole">
             <mc:AlternateContent xmlns:mc="http://schemas.openxmlformats.org/markup-compatibility/2006">
               <mc:Choice xmlns:v="urn:schemas-microsoft-com:vml" Requires="v">
-                <p:oleObj spid="_x0000_s1068" name="Packager Shell Object" showAsIcon="1" r:id="rId27" imgW="992880" imgH="482400" progId="Package">
+                <p:oleObj spid="_x0000_s1071" name="Packager Shell Object" showAsIcon="1" r:id="rId27" imgW="992880" imgH="482400" progId="Package">
                   <p:embed/>
                 </p:oleObj>
               </mc:Choice>
@@ -15478,7 +15478,7 @@
               <a:buChar char="•"/>
             </a:pPr>
             <a:r>
-              <a:rPr lang="en-US" dirty="0" smtClean="0">
+              <a:rPr lang="en-US" sz="2000" dirty="0" smtClean="0">
                 <a:solidFill>
                   <a:schemeClr val="tx1"/>
                 </a:solidFill>
@@ -15489,7 +15489,7 @@
               </a:rPr>
               <a:t>http://aka.ms/NotificationsVisualizer</a:t>
             </a:r>
-            <a:endParaRPr lang="en-US" dirty="0" smtClean="0">
+            <a:endParaRPr lang="en-US" sz="2000" dirty="0" smtClean="0">
               <a:solidFill>
                 <a:schemeClr val="tx1"/>
               </a:solidFill>
@@ -15504,7 +15504,7 @@
               <a:buChar char="•"/>
             </a:pPr>
             <a:r>
-              <a:rPr lang="en-US" dirty="0" smtClean="0">
+              <a:rPr lang="en-US" sz="2000" dirty="0" smtClean="0">
                 <a:solidFill>
                   <a:schemeClr val="tx1"/>
                 </a:solidFill>
@@ -15515,7 +15515,7 @@
               </a:rPr>
               <a:t>http://aka.ms/AdaptiveTiles</a:t>
             </a:r>
-            <a:endParaRPr lang="en-US" dirty="0" smtClean="0">
+            <a:endParaRPr lang="en-US" sz="2000" dirty="0" smtClean="0">
               <a:solidFill>
                 <a:schemeClr val="tx1"/>
               </a:solidFill>
@@ -16371,7 +16371,7 @@
       </p:sp>
       <p:pic>
         <p:nvPicPr>
-          <p:cNvPr id="7" name="Picture 6"/>
+          <p:cNvPr id="2" name="Picture 1"/>
           <p:cNvPicPr>
             <a:picLocks noChangeAspect="1"/>
           </p:cNvPicPr>
@@ -16391,55 +16391,14 @@
         </p:blipFill>
         <p:spPr>
           <a:xfrm>
-            <a:off x="1000984" y="2248335"/>
-            <a:ext cx="3269566" cy="3269566"/>
+            <a:off x="990600" y="2091556"/>
+            <a:ext cx="3806705" cy="3806705"/>
           </a:xfrm>
           <a:prstGeom prst="rect">
             <a:avLst/>
           </a:prstGeom>
-          <a:ln>
-            <a:solidFill>
-              <a:srgbClr val="8C8C8C"/>
-            </a:solidFill>
-          </a:ln>
         </p:spPr>
       </p:pic>
-      <p:sp>
-        <p:nvSpPr>
-          <p:cNvPr id="8" name="TextBox 7"/>
-          <p:cNvSpPr txBox="1"/>
-          <p:nvPr/>
-        </p:nvSpPr>
-        <p:spPr>
-          <a:xfrm>
-            <a:off x="7684477" y="158931"/>
-            <a:ext cx="4360985" cy="646331"/>
-          </a:xfrm>
-          <a:prstGeom prst="rect">
-            <a:avLst/>
-          </a:prstGeom>
-          <a:solidFill>
-            <a:srgbClr val="FFFF00"/>
-          </a:solidFill>
-        </p:spPr>
-        <p:txBody>
-          <a:bodyPr wrap="square" rtlCol="0">
-            <a:spAutoFit/>
-          </a:bodyPr>
-          <a:lstStyle/>
-          <a:p>
-            <a:r>
-              <a:rPr lang="en-US" dirty="0" smtClean="0">
-                <a:latin typeface="Segoe UI"/>
-              </a:rPr>
-              <a:t>&lt; QR Code will be given 2 days before the Conference &gt;</a:t>
-            </a:r>
-            <a:endParaRPr lang="en-US" dirty="0">
-              <a:latin typeface="Segoe UI"/>
-            </a:endParaRPr>
-          </a:p>
-        </p:txBody>
-      </p:sp>
     </p:spTree>
     <p:extLst>
       <p:ext uri="{BB962C8B-B14F-4D97-AF65-F5344CB8AC3E}">
@@ -17424,7 +17383,21 @@
               <a:rPr lang="en-US" sz="3200" dirty="0">
                 <a:latin typeface="Segoe UI Light"/>
               </a:rPr>
-              <a:t>https://github.com/FutureUnleashed/HOL</a:t>
+              <a:t>https://</a:t>
+            </a:r>
+            <a:r>
+              <a:rPr lang="en-US" sz="3200" dirty="0" smtClean="0">
+                <a:latin typeface="Segoe UI Light"/>
+              </a:rPr>
+              <a:t>github.com/FutureUnleashed/HOL</a:t>
+            </a:r>
+          </a:p>
+          <a:p>
+            <a:r>
+              <a:rPr lang="en-US" sz="3200" dirty="0">
+                <a:latin typeface="Segoe UI Light"/>
+              </a:rPr>
+              <a:t>http://1drv.ms/1GXxfg5 </a:t>
             </a:r>
             <a:endParaRPr sz="3200" dirty="0">
               <a:latin typeface="Segoe UI Light"/>
